--- a/Bloque IV. ML/IV.3. Algoritmos Básicos ML.pptx
+++ b/Bloque IV. ML/IV.3. Algoritmos Básicos ML.pptx
@@ -237,7 +237,7 @@
             <a:fld id="{B3E16CF3-8537-4774-A9FC-A2A5296655A0}" type="datetimeFigureOut">
               <a:rPr lang="es-ES" smtClean="0"/>
               <a:pPr/>
-              <a:t>22/06/2018</a:t>
+              <a:t>28/06/2018</a:t>
             </a:fld>
             <a:endParaRPr lang="es-ES"/>
           </a:p>
@@ -690,7 +690,7 @@
             <a:fld id="{7A847CFC-816F-41D0-AAC0-9BF4FEBC753E}" type="datetimeFigureOut">
               <a:rPr lang="es-ES" smtClean="0"/>
               <a:pPr/>
-              <a:t>22/06/2018</a:t>
+              <a:t>28/06/2018</a:t>
             </a:fld>
             <a:endParaRPr lang="es-ES"/>
           </a:p>
@@ -857,7 +857,7 @@
             <a:fld id="{7A847CFC-816F-41D0-AAC0-9BF4FEBC753E}" type="datetimeFigureOut">
               <a:rPr lang="es-ES" smtClean="0"/>
               <a:pPr/>
-              <a:t>22/06/2018</a:t>
+              <a:t>28/06/2018</a:t>
             </a:fld>
             <a:endParaRPr lang="es-ES"/>
           </a:p>
@@ -1034,7 +1034,7 @@
             <a:fld id="{7A847CFC-816F-41D0-AAC0-9BF4FEBC753E}" type="datetimeFigureOut">
               <a:rPr lang="es-ES" smtClean="0"/>
               <a:pPr/>
-              <a:t>22/06/2018</a:t>
+              <a:t>28/06/2018</a:t>
             </a:fld>
             <a:endParaRPr lang="es-ES"/>
           </a:p>
@@ -1201,7 +1201,7 @@
             <a:fld id="{7A847CFC-816F-41D0-AAC0-9BF4FEBC753E}" type="datetimeFigureOut">
               <a:rPr lang="es-ES" smtClean="0"/>
               <a:pPr/>
-              <a:t>22/06/2018</a:t>
+              <a:t>28/06/2018</a:t>
             </a:fld>
             <a:endParaRPr lang="es-ES"/>
           </a:p>
@@ -1444,7 +1444,7 @@
             <a:fld id="{7A847CFC-816F-41D0-AAC0-9BF4FEBC753E}" type="datetimeFigureOut">
               <a:rPr lang="es-ES" smtClean="0"/>
               <a:pPr/>
-              <a:t>22/06/2018</a:t>
+              <a:t>28/06/2018</a:t>
             </a:fld>
             <a:endParaRPr lang="es-ES"/>
           </a:p>
@@ -1729,7 +1729,7 @@
             <a:fld id="{7A847CFC-816F-41D0-AAC0-9BF4FEBC753E}" type="datetimeFigureOut">
               <a:rPr lang="es-ES" smtClean="0"/>
               <a:pPr/>
-              <a:t>22/06/2018</a:t>
+              <a:t>28/06/2018</a:t>
             </a:fld>
             <a:endParaRPr lang="es-ES"/>
           </a:p>
@@ -2148,7 +2148,7 @@
             <a:fld id="{7A847CFC-816F-41D0-AAC0-9BF4FEBC753E}" type="datetimeFigureOut">
               <a:rPr lang="es-ES" smtClean="0"/>
               <a:pPr/>
-              <a:t>22/06/2018</a:t>
+              <a:t>28/06/2018</a:t>
             </a:fld>
             <a:endParaRPr lang="es-ES"/>
           </a:p>
@@ -2263,7 +2263,7 @@
             <a:fld id="{7A847CFC-816F-41D0-AAC0-9BF4FEBC753E}" type="datetimeFigureOut">
               <a:rPr lang="es-ES" smtClean="0"/>
               <a:pPr/>
-              <a:t>22/06/2018</a:t>
+              <a:t>28/06/2018</a:t>
             </a:fld>
             <a:endParaRPr lang="es-ES"/>
           </a:p>
@@ -2355,7 +2355,7 @@
             <a:fld id="{7A847CFC-816F-41D0-AAC0-9BF4FEBC753E}" type="datetimeFigureOut">
               <a:rPr lang="es-ES" smtClean="0"/>
               <a:pPr/>
-              <a:t>22/06/2018</a:t>
+              <a:t>28/06/2018</a:t>
             </a:fld>
             <a:endParaRPr lang="es-ES"/>
           </a:p>
@@ -2629,7 +2629,7 @@
             <a:fld id="{7A847CFC-816F-41D0-AAC0-9BF4FEBC753E}" type="datetimeFigureOut">
               <a:rPr lang="es-ES" smtClean="0"/>
               <a:pPr/>
-              <a:t>22/06/2018</a:t>
+              <a:t>28/06/2018</a:t>
             </a:fld>
             <a:endParaRPr lang="es-ES"/>
           </a:p>
@@ -2879,7 +2879,7 @@
             <a:fld id="{7A847CFC-816F-41D0-AAC0-9BF4FEBC753E}" type="datetimeFigureOut">
               <a:rPr lang="es-ES" smtClean="0"/>
               <a:pPr/>
-              <a:t>22/06/2018</a:t>
+              <a:t>28/06/2018</a:t>
             </a:fld>
             <a:endParaRPr lang="es-ES"/>
           </a:p>
@@ -3089,7 +3089,7 @@
             <a:fld id="{7A847CFC-816F-41D0-AAC0-9BF4FEBC753E}" type="datetimeFigureOut">
               <a:rPr lang="es-ES" smtClean="0"/>
               <a:pPr/>
-              <a:t>22/06/2018</a:t>
+              <a:t>28/06/2018</a:t>
             </a:fld>
             <a:endParaRPr lang="es-ES"/>
           </a:p>
@@ -4776,14 +4776,14 @@
               <a:t> se divide </a:t>
             </a:r>
             <a:r>
-              <a:rPr lang="en-US" altLang="es-ES" sz="2800" dirty="0" err="1">
-                <a:latin typeface="+mj-lt"/>
-                <a:cs typeface="Arial" panose="020B0604020202020204" pitchFamily="34" charset="0"/>
-              </a:rPr>
-              <a:t>en</a:t>
-            </a:r>
-            <a:r>
-              <a:rPr lang="en-US" altLang="es-ES" sz="2800" dirty="0">
+              <a:rPr lang="en-US" altLang="es-ES" sz="2800" dirty="0" err="1" smtClean="0">
+                <a:latin typeface="+mj-lt"/>
+                <a:cs typeface="Arial" panose="020B0604020202020204" pitchFamily="34" charset="0"/>
+              </a:rPr>
+              <a:t>según</a:t>
+            </a:r>
+            <a:r>
+              <a:rPr lang="en-US" altLang="es-ES" sz="2800" dirty="0" smtClean="0">
                 <a:latin typeface="+mj-lt"/>
                 <a:cs typeface="Arial" panose="020B0604020202020204" pitchFamily="34" charset="0"/>
               </a:rPr>
@@ -5519,7 +5519,11 @@
           <a:p>
             <a:r>
               <a:rPr lang="es-ES" dirty="0" smtClean="0"/>
-              <a:t>Árboles de decisión: ID3 – Ganancia Información</a:t>
+              <a:t>Árboles de decisión: ID3 – Ganancia </a:t>
+            </a:r>
+            <a:r>
+              <a:rPr lang="es-ES" dirty="0" smtClean="0"/>
+              <a:t>de Información</a:t>
             </a:r>
             <a:endParaRPr lang="es-ES" dirty="0"/>
           </a:p>
@@ -5810,25 +5814,116 @@
               <a:t> </a:t>
             </a:r>
             <a:r>
+              <a:rPr lang="en-US" altLang="es-ES" sz="2800" dirty="0" err="1" smtClean="0">
+                <a:latin typeface="+mj-lt"/>
+                <a:cs typeface="Arial" panose="020B0604020202020204" pitchFamily="34" charset="0"/>
+              </a:rPr>
+              <a:t>así</a:t>
+            </a:r>
+            <a:r>
+              <a:rPr lang="en-US" altLang="es-ES" sz="2800" dirty="0" smtClean="0">
+                <a:latin typeface="+mj-lt"/>
+                <a:cs typeface="Arial" panose="020B0604020202020204" pitchFamily="34" charset="0"/>
+              </a:rPr>
+              <a:t> (hay </a:t>
+            </a:r>
+            <a:r>
+              <a:rPr lang="en-US" altLang="es-ES" sz="2800" dirty="0" err="1" smtClean="0">
+                <a:latin typeface="+mj-lt"/>
+                <a:cs typeface="Arial" panose="020B0604020202020204" pitchFamily="34" charset="0"/>
+              </a:rPr>
+              <a:t>nodos</a:t>
+            </a:r>
+            <a:r>
+              <a:rPr lang="en-US" altLang="es-ES" sz="2800" dirty="0" smtClean="0">
+                <a:latin typeface="+mj-lt"/>
+                <a:cs typeface="Arial" panose="020B0604020202020204" pitchFamily="34" charset="0"/>
+              </a:rPr>
+              <a:t> con </a:t>
+            </a:r>
+            <a:r>
+              <a:rPr lang="en-US" altLang="es-ES" sz="2800" dirty="0" err="1" smtClean="0">
+                <a:latin typeface="+mj-lt"/>
+                <a:cs typeface="Arial" panose="020B0604020202020204" pitchFamily="34" charset="0"/>
+              </a:rPr>
+              <a:t>distintas</a:t>
+            </a:r>
+            <a:r>
+              <a:rPr lang="en-US" altLang="es-ES" sz="2800" dirty="0" smtClean="0">
+                <a:latin typeface="+mj-lt"/>
+                <a:cs typeface="Arial" panose="020B0604020202020204" pitchFamily="34" charset="0"/>
+              </a:rPr>
+              <a:t> </a:t>
+            </a:r>
+            <a:r>
+              <a:rPr lang="en-US" altLang="es-ES" sz="2800" dirty="0" err="1" smtClean="0">
+                <a:latin typeface="+mj-lt"/>
+                <a:cs typeface="Arial" panose="020B0604020202020204" pitchFamily="34" charset="0"/>
+              </a:rPr>
+              <a:t>clasificaciones</a:t>
+            </a:r>
+            <a:r>
+              <a:rPr lang="en-US" altLang="es-ES" sz="2800" dirty="0" smtClean="0">
+                <a:latin typeface="+mj-lt"/>
+                <a:cs typeface="Arial" panose="020B0604020202020204" pitchFamily="34" charset="0"/>
+              </a:rPr>
+              <a:t>),</a:t>
+            </a:r>
+            <a:r>
+              <a:rPr lang="en-US" altLang="es-ES" sz="2800" dirty="0" smtClean="0">
+                <a:latin typeface="+mj-lt"/>
+                <a:cs typeface="Arial" panose="020B0604020202020204" pitchFamily="34" charset="0"/>
+              </a:rPr>
+              <a:t> </a:t>
+            </a:r>
+            <a:r>
+              <a:rPr lang="en-US" altLang="es-ES" sz="2800" dirty="0">
+                <a:latin typeface="+mj-lt"/>
+                <a:cs typeface="Arial" panose="020B0604020202020204" pitchFamily="34" charset="0"/>
+              </a:rPr>
+              <a:t>la </a:t>
+            </a:r>
+            <a:r>
               <a:rPr lang="en-US" altLang="es-ES" sz="2800" dirty="0" err="1">
                 <a:latin typeface="+mj-lt"/>
                 <a:cs typeface="Arial" panose="020B0604020202020204" pitchFamily="34" charset="0"/>
               </a:rPr>
-              <a:t>así</a:t>
+              <a:t>rama</a:t>
             </a:r>
             <a:r>
               <a:rPr lang="en-US" altLang="es-ES" sz="2800" dirty="0">
                 <a:latin typeface="+mj-lt"/>
                 <a:cs typeface="Arial" panose="020B0604020202020204" pitchFamily="34" charset="0"/>
               </a:rPr>
-              <a:t>, la </a:t>
+              <a:t> </a:t>
+            </a:r>
+            <a:r>
+              <a:rPr lang="en-US" altLang="es-ES" sz="2800" dirty="0" smtClean="0">
+                <a:latin typeface="+mj-lt"/>
+                <a:cs typeface="Arial" panose="020B0604020202020204" pitchFamily="34" charset="0"/>
+              </a:rPr>
+              <a:t>se </a:t>
+            </a:r>
+            <a:r>
+              <a:rPr lang="en-US" altLang="es-ES" sz="2800" dirty="0" err="1" smtClean="0">
+                <a:latin typeface="+mj-lt"/>
+                <a:cs typeface="Arial" panose="020B0604020202020204" pitchFamily="34" charset="0"/>
+              </a:rPr>
+              <a:t>debe</a:t>
+            </a:r>
+            <a:r>
+              <a:rPr lang="en-US" altLang="es-ES" sz="2800" dirty="0" smtClean="0">
+                <a:latin typeface="+mj-lt"/>
+                <a:cs typeface="Arial" panose="020B0604020202020204" pitchFamily="34" charset="0"/>
+              </a:rPr>
+              <a:t> </a:t>
             </a:r>
             <a:r>
               <a:rPr lang="en-US" altLang="es-ES" sz="2800" dirty="0" err="1">
                 <a:latin typeface="+mj-lt"/>
                 <a:cs typeface="Arial" panose="020B0604020202020204" pitchFamily="34" charset="0"/>
               </a:rPr>
-              <a:t>rama</a:t>
+              <a:t>seguir</a:t>
             </a:r>
             <a:r>
               <a:rPr lang="en-US" altLang="es-ES" sz="2800" dirty="0">
@@ -5838,11 +5933,25 @@
               <a:t> </a:t>
             </a:r>
             <a:r>
+              <a:rPr lang="en-US" altLang="es-ES" sz="2800" dirty="0" err="1" smtClean="0">
+                <a:latin typeface="+mj-lt"/>
+                <a:cs typeface="Arial" panose="020B0604020202020204" pitchFamily="34" charset="0"/>
+              </a:rPr>
+              <a:t>sudividiéndo</a:t>
+            </a:r>
+            <a:r>
+              <a:rPr lang="en-US" altLang="es-ES" sz="2800" dirty="0" smtClean="0">
+                <a:latin typeface="+mj-lt"/>
+                <a:cs typeface="Arial" panose="020B0604020202020204" pitchFamily="34" charset="0"/>
+              </a:rPr>
+              <a:t> para </a:t>
+            </a:r>
+            <a:r>
               <a:rPr lang="en-US" altLang="es-ES" sz="2800" dirty="0" err="1">
                 <a:latin typeface="+mj-lt"/>
                 <a:cs typeface="Arial" panose="020B0604020202020204" pitchFamily="34" charset="0"/>
               </a:rPr>
-              <a:t>debe</a:t>
+              <a:t>poder</a:t>
             </a:r>
             <a:r>
               <a:rPr lang="en-US" altLang="es-ES" sz="2800" dirty="0">
@@ -5852,103 +5961,37 @@
               <a:t> </a:t>
             </a:r>
             <a:r>
-              <a:rPr lang="en-US" altLang="es-ES" sz="2800" dirty="0" err="1">
-                <a:latin typeface="+mj-lt"/>
-                <a:cs typeface="Arial" panose="020B0604020202020204" pitchFamily="34" charset="0"/>
-              </a:rPr>
-              <a:t>seguir</a:t>
-            </a:r>
-            <a:r>
-              <a:rPr lang="en-US" altLang="es-ES" sz="2800" dirty="0">
-                <a:latin typeface="+mj-lt"/>
-                <a:cs typeface="Arial" panose="020B0604020202020204" pitchFamily="34" charset="0"/>
-              </a:rPr>
-              <a:t> </a:t>
-            </a:r>
-            <a:r>
-              <a:rPr lang="en-US" altLang="es-ES" sz="2800" dirty="0" err="1">
-                <a:latin typeface="+mj-lt"/>
-                <a:cs typeface="Arial" panose="020B0604020202020204" pitchFamily="34" charset="0"/>
-              </a:rPr>
-              <a:t>sudividiéndose</a:t>
-            </a:r>
-            <a:r>
-              <a:rPr lang="en-US" altLang="es-ES" sz="2800" dirty="0">
-                <a:latin typeface="+mj-lt"/>
-                <a:cs typeface="Arial" panose="020B0604020202020204" pitchFamily="34" charset="0"/>
-              </a:rPr>
-              <a:t> (para </a:t>
-            </a:r>
-            <a:r>
-              <a:rPr lang="en-US" altLang="es-ES" sz="2800" dirty="0" err="1">
-                <a:latin typeface="+mj-lt"/>
-                <a:cs typeface="Arial" panose="020B0604020202020204" pitchFamily="34" charset="0"/>
-              </a:rPr>
-              <a:t>poder</a:t>
-            </a:r>
-            <a:r>
-              <a:rPr lang="en-US" altLang="es-ES" sz="2800" dirty="0">
-                <a:latin typeface="+mj-lt"/>
-                <a:cs typeface="Arial" panose="020B0604020202020204" pitchFamily="34" charset="0"/>
-              </a:rPr>
-              <a:t> </a:t>
-            </a:r>
-            <a:r>
-              <a:rPr lang="en-US" altLang="es-ES" sz="2800" dirty="0" err="1">
-                <a:latin typeface="+mj-lt"/>
-                <a:cs typeface="Arial" panose="020B0604020202020204" pitchFamily="34" charset="0"/>
-              </a:rPr>
-              <a:t>clasificar</a:t>
-            </a:r>
-            <a:r>
-              <a:rPr lang="en-US" altLang="es-ES" sz="2800" dirty="0">
-                <a:latin typeface="+mj-lt"/>
-                <a:cs typeface="Arial" panose="020B0604020202020204" pitchFamily="34" charset="0"/>
-              </a:rPr>
-              <a:t> </a:t>
-            </a:r>
-            <a:r>
-              <a:rPr lang="en-US" altLang="es-ES" sz="2800" dirty="0" err="1">
-                <a:latin typeface="+mj-lt"/>
-                <a:cs typeface="Arial" panose="020B0604020202020204" pitchFamily="34" charset="0"/>
-              </a:rPr>
-              <a:t>mejor</a:t>
-            </a:r>
-            <a:r>
-              <a:rPr lang="en-US" altLang="es-ES" sz="2800" dirty="0">
-                <a:latin typeface="+mj-lt"/>
-                <a:cs typeface="Arial" panose="020B0604020202020204" pitchFamily="34" charset="0"/>
-              </a:rPr>
-              <a:t> </a:t>
-            </a:r>
-            <a:r>
-              <a:rPr lang="en-US" altLang="es-ES" sz="2800" dirty="0" err="1">
-                <a:latin typeface="+mj-lt"/>
-                <a:cs typeface="Arial" panose="020B0604020202020204" pitchFamily="34" charset="0"/>
-              </a:rPr>
-              <a:t>sus</a:t>
-            </a:r>
-            <a:r>
-              <a:rPr lang="en-US" altLang="es-ES" sz="2800" dirty="0">
-                <a:latin typeface="+mj-lt"/>
-                <a:cs typeface="Arial" panose="020B0604020202020204" pitchFamily="34" charset="0"/>
-              </a:rPr>
-              <a:t> </a:t>
-            </a:r>
-            <a:r>
-              <a:rPr lang="en-US" altLang="es-ES" sz="2800" dirty="0" err="1">
-                <a:latin typeface="+mj-lt"/>
-                <a:cs typeface="Arial" panose="020B0604020202020204" pitchFamily="34" charset="0"/>
-              </a:rPr>
-              <a:t>nodos</a:t>
-            </a:r>
-            <a:r>
-              <a:rPr lang="en-US" altLang="es-ES" sz="2800" dirty="0">
-                <a:latin typeface="+mj-lt"/>
-                <a:cs typeface="Arial" panose="020B0604020202020204" pitchFamily="34" charset="0"/>
-              </a:rPr>
-              <a:t>).</a:t>
-            </a:r>
+              <a:rPr lang="en-US" altLang="es-ES" sz="2800" dirty="0" err="1" smtClean="0">
+                <a:latin typeface="+mj-lt"/>
+                <a:cs typeface="Arial" panose="020B0604020202020204" pitchFamily="34" charset="0"/>
+              </a:rPr>
+              <a:t>clasificarlos</a:t>
+            </a:r>
+            <a:r>
+              <a:rPr lang="en-US" altLang="es-ES" sz="2800" dirty="0" smtClean="0">
+                <a:latin typeface="+mj-lt"/>
+                <a:cs typeface="Arial" panose="020B0604020202020204" pitchFamily="34" charset="0"/>
+              </a:rPr>
+              <a:t> de forma </a:t>
+            </a:r>
+            <a:r>
+              <a:rPr lang="en-US" altLang="es-ES" sz="2800" dirty="0" err="1" smtClean="0">
+                <a:latin typeface="+mj-lt"/>
+                <a:cs typeface="Arial" panose="020B0604020202020204" pitchFamily="34" charset="0"/>
+              </a:rPr>
+              <a:t>adecuada</a:t>
+            </a:r>
+            <a:r>
+              <a:rPr lang="en-US" altLang="es-ES" sz="2800" dirty="0" smtClean="0">
+                <a:latin typeface="+mj-lt"/>
+                <a:cs typeface="Arial" panose="020B0604020202020204" pitchFamily="34" charset="0"/>
+              </a:rPr>
+              <a:t>.</a:t>
+            </a:r>
+            <a:endParaRPr lang="en-US" altLang="es-ES" sz="2800" dirty="0">
+              <a:latin typeface="+mj-lt"/>
+              <a:cs typeface="Arial" panose="020B0604020202020204" pitchFamily="34" charset="0"/>
+            </a:endParaRPr>
           </a:p>
           <a:p>
             <a:r>
@@ -6102,7 +6145,11 @@
           <a:p>
             <a:r>
               <a:rPr lang="es-ES" dirty="0" smtClean="0"/>
-              <a:t>Árboles de decisión: ID3 – Ganancia Información</a:t>
+              <a:t>Árboles de decisión: ID3 – Ganancia </a:t>
+            </a:r>
+            <a:r>
+              <a:rPr lang="es-ES" dirty="0" smtClean="0"/>
+              <a:t>de Información</a:t>
             </a:r>
             <a:endParaRPr lang="es-ES" dirty="0"/>
           </a:p>
@@ -9325,7 +9372,6 @@
               <a:rPr lang="es-ES" dirty="0" smtClean="0"/>
               <a:t>K-NN</a:t>
             </a:r>
-            <a:endParaRPr lang="es-ES" dirty="0" smtClean="0"/>
           </a:p>
           <a:p>
             <a:r>
@@ -9343,17 +9389,8 @@
           <a:p>
             <a:r>
               <a:rPr lang="es-ES" dirty="0" smtClean="0"/>
-              <a:t>Árboles </a:t>
-            </a:r>
-            <a:r>
-              <a:rPr lang="es-ES" dirty="0" smtClean="0"/>
-              <a:t>de decisión: </a:t>
-            </a:r>
-            <a:r>
-              <a:rPr lang="es-ES" dirty="0" smtClean="0"/>
-              <a:t>ID3</a:t>
-            </a:r>
-            <a:endParaRPr lang="es-ES" dirty="0" smtClean="0"/>
+              <a:t>Árboles de decisión: ID3</a:t>
+            </a:r>
           </a:p>
           <a:p>
             <a:r>
@@ -13601,7 +13638,6 @@
               <a:rPr lang="es-ES" dirty="0"/>
               <a:t>.</a:t>
             </a:r>
-            <a:endParaRPr lang="es-ES" dirty="0"/>
           </a:p>
         </p:txBody>
       </p:sp>
